--- a/assets/Draw.pptx
+++ b/assets/Draw.pptx
@@ -104,6 +104,11 @@
       </a:defRPr>
     </a:lvl9pPr>
   </p:defaultTextStyle>
+  <p:extLst>
+    <p:ext uri="{EFAFB233-063F-42B5-8137-9DF3F51BA10A}">
+      <p15:sldGuideLst xmlns:p15="http://schemas.microsoft.com/office/powerpoint/2012/main"/>
+    </p:ext>
+  </p:extLst>
 </p:presentation>
 </file>
 
@@ -254,7 +259,7 @@
           <a:p>
             <a:fld id="{CBAE1E15-123C-4B1A-B6F2-694A0C646122}" type="datetimeFigureOut">
               <a:rPr lang="en-US" smtClean="0"/>
-              <a:t>2/29/2020</a:t>
+              <a:t>3/1/2020</a:t>
             </a:fld>
             <a:endParaRPr lang="en-US"/>
           </a:p>
@@ -452,7 +457,7 @@
           <a:p>
             <a:fld id="{CBAE1E15-123C-4B1A-B6F2-694A0C646122}" type="datetimeFigureOut">
               <a:rPr lang="en-US" smtClean="0"/>
-              <a:t>2/29/2020</a:t>
+              <a:t>3/1/2020</a:t>
             </a:fld>
             <a:endParaRPr lang="en-US"/>
           </a:p>
@@ -660,7 +665,7 @@
           <a:p>
             <a:fld id="{CBAE1E15-123C-4B1A-B6F2-694A0C646122}" type="datetimeFigureOut">
               <a:rPr lang="en-US" smtClean="0"/>
-              <a:t>2/29/2020</a:t>
+              <a:t>3/1/2020</a:t>
             </a:fld>
             <a:endParaRPr lang="en-US"/>
           </a:p>
@@ -858,7 +863,7 @@
           <a:p>
             <a:fld id="{CBAE1E15-123C-4B1A-B6F2-694A0C646122}" type="datetimeFigureOut">
               <a:rPr lang="en-US" smtClean="0"/>
-              <a:t>2/29/2020</a:t>
+              <a:t>3/1/2020</a:t>
             </a:fld>
             <a:endParaRPr lang="en-US"/>
           </a:p>
@@ -1133,7 +1138,7 @@
           <a:p>
             <a:fld id="{CBAE1E15-123C-4B1A-B6F2-694A0C646122}" type="datetimeFigureOut">
               <a:rPr lang="en-US" smtClean="0"/>
-              <a:t>2/29/2020</a:t>
+              <a:t>3/1/2020</a:t>
             </a:fld>
             <a:endParaRPr lang="en-US"/>
           </a:p>
@@ -1398,7 +1403,7 @@
           <a:p>
             <a:fld id="{CBAE1E15-123C-4B1A-B6F2-694A0C646122}" type="datetimeFigureOut">
               <a:rPr lang="en-US" smtClean="0"/>
-              <a:t>2/29/2020</a:t>
+              <a:t>3/1/2020</a:t>
             </a:fld>
             <a:endParaRPr lang="en-US"/>
           </a:p>
@@ -1810,7 +1815,7 @@
           <a:p>
             <a:fld id="{CBAE1E15-123C-4B1A-B6F2-694A0C646122}" type="datetimeFigureOut">
               <a:rPr lang="en-US" smtClean="0"/>
-              <a:t>2/29/2020</a:t>
+              <a:t>3/1/2020</a:t>
             </a:fld>
             <a:endParaRPr lang="en-US"/>
           </a:p>
@@ -1951,7 +1956,7 @@
           <a:p>
             <a:fld id="{CBAE1E15-123C-4B1A-B6F2-694A0C646122}" type="datetimeFigureOut">
               <a:rPr lang="en-US" smtClean="0"/>
-              <a:t>2/29/2020</a:t>
+              <a:t>3/1/2020</a:t>
             </a:fld>
             <a:endParaRPr lang="en-US"/>
           </a:p>
@@ -2064,7 +2069,7 @@
           <a:p>
             <a:fld id="{CBAE1E15-123C-4B1A-B6F2-694A0C646122}" type="datetimeFigureOut">
               <a:rPr lang="en-US" smtClean="0"/>
-              <a:t>2/29/2020</a:t>
+              <a:t>3/1/2020</a:t>
             </a:fld>
             <a:endParaRPr lang="en-US"/>
           </a:p>
@@ -2375,7 +2380,7 @@
           <a:p>
             <a:fld id="{CBAE1E15-123C-4B1A-B6F2-694A0C646122}" type="datetimeFigureOut">
               <a:rPr lang="en-US" smtClean="0"/>
-              <a:t>2/29/2020</a:t>
+              <a:t>3/1/2020</a:t>
             </a:fld>
             <a:endParaRPr lang="en-US"/>
           </a:p>
@@ -2663,7 +2668,7 @@
           <a:p>
             <a:fld id="{CBAE1E15-123C-4B1A-B6F2-694A0C646122}" type="datetimeFigureOut">
               <a:rPr lang="en-US" smtClean="0"/>
-              <a:t>2/29/2020</a:t>
+              <a:t>3/1/2020</a:t>
             </a:fld>
             <a:endParaRPr lang="en-US"/>
           </a:p>
@@ -2904,7 +2909,7 @@
           <a:p>
             <a:fld id="{CBAE1E15-123C-4B1A-B6F2-694A0C646122}" type="datetimeFigureOut">
               <a:rPr lang="en-US" smtClean="0"/>
-              <a:t>2/29/2020</a:t>
+              <a:t>3/1/2020</a:t>
             </a:fld>
             <a:endParaRPr lang="en-US"/>
           </a:p>
@@ -3421,9 +3426,10 @@
           <a:p>
             <a:pPr algn="ctr"/>
             <a:r>
-              <a:rPr lang="en-US" dirty="0"/>
-              <a:t>C#, MongoDB, Elastic Search</a:t>
-            </a:r>
+              <a:rPr lang="en-US" sz="1200" dirty="0"/>
+              <a:t>Rest: 5002, gRPC: 15002 - C#, MongoDB, Elastic Search</a:t>
+            </a:r>
+            <a:endParaRPr lang="en-US" dirty="0"/>
           </a:p>
         </p:txBody>
       </p:sp>
@@ -3483,9 +3489,10 @@
           <a:p>
             <a:pPr algn="ctr"/>
             <a:r>
-              <a:rPr lang="en-US" dirty="0"/>
-              <a:t>C#, Redis</a:t>
-            </a:r>
+              <a:rPr lang="en-US" sz="1200" dirty="0"/>
+              <a:t>Rest: 5004, gRPC: 15004 - C#, Redis</a:t>
+            </a:r>
+            <a:endParaRPr lang="en-US" dirty="0"/>
           </a:p>
         </p:txBody>
       </p:sp>
@@ -3545,8 +3552,8 @@
           <a:p>
             <a:pPr algn="ctr"/>
             <a:r>
-              <a:rPr lang="en-US" dirty="0"/>
-              <a:t>C#, SQL Server</a:t>
+              <a:rPr lang="en-US" sz="1200" dirty="0"/>
+              <a:t>Rest: 5003, gRPC: 15003 - C#, SQL Server</a:t>
             </a:r>
           </a:p>
         </p:txBody>
@@ -3647,7 +3654,7 @@
             <a:pPr algn="ctr"/>
             <a:r>
               <a:rPr lang="en-US" dirty="0"/>
-              <a:t>C# (HotChocolate)</a:t>
+              <a:t>Rest: 5000 - C# (HotChocolate)</a:t>
             </a:r>
           </a:p>
         </p:txBody>
@@ -3701,9 +3708,10 @@
           <a:p>
             <a:pPr algn="ctr"/>
             <a:r>
-              <a:rPr lang="en-US" dirty="0"/>
-              <a:t>C# (Identity Server 4)</a:t>
-            </a:r>
+              <a:rPr lang="en-US" sz="1200" dirty="0"/>
+              <a:t>Rest: 5001 - C# (Identity Server 4)</a:t>
+            </a:r>
+            <a:endParaRPr lang="en-US" dirty="0"/>
           </a:p>
         </p:txBody>
       </p:sp>

--- a/assets/Draw.pptx
+++ b/assets/Draw.pptx
@@ -6,6 +6,7 @@
   </p:sldMasterIdLst>
   <p:sldIdLst>
     <p:sldId id="256" r:id="rId2"/>
+    <p:sldId id="257" r:id="rId3"/>
   </p:sldIdLst>
   <p:sldSz cx="12192000" cy="6858000"/>
   <p:notesSz cx="6858000" cy="9144000"/>
@@ -259,7 +260,7 @@
           <a:p>
             <a:fld id="{CBAE1E15-123C-4B1A-B6F2-694A0C646122}" type="datetimeFigureOut">
               <a:rPr lang="en-US" smtClean="0"/>
-              <a:t>3/1/2020</a:t>
+              <a:t>3/31/2020</a:t>
             </a:fld>
             <a:endParaRPr lang="en-US"/>
           </a:p>
@@ -457,7 +458,7 @@
           <a:p>
             <a:fld id="{CBAE1E15-123C-4B1A-B6F2-694A0C646122}" type="datetimeFigureOut">
               <a:rPr lang="en-US" smtClean="0"/>
-              <a:t>3/1/2020</a:t>
+              <a:t>3/31/2020</a:t>
             </a:fld>
             <a:endParaRPr lang="en-US"/>
           </a:p>
@@ -665,7 +666,7 @@
           <a:p>
             <a:fld id="{CBAE1E15-123C-4B1A-B6F2-694A0C646122}" type="datetimeFigureOut">
               <a:rPr lang="en-US" smtClean="0"/>
-              <a:t>3/1/2020</a:t>
+              <a:t>3/31/2020</a:t>
             </a:fld>
             <a:endParaRPr lang="en-US"/>
           </a:p>
@@ -863,7 +864,7 @@
           <a:p>
             <a:fld id="{CBAE1E15-123C-4B1A-B6F2-694A0C646122}" type="datetimeFigureOut">
               <a:rPr lang="en-US" smtClean="0"/>
-              <a:t>3/1/2020</a:t>
+              <a:t>3/31/2020</a:t>
             </a:fld>
             <a:endParaRPr lang="en-US"/>
           </a:p>
@@ -1138,7 +1139,7 @@
           <a:p>
             <a:fld id="{CBAE1E15-123C-4B1A-B6F2-694A0C646122}" type="datetimeFigureOut">
               <a:rPr lang="en-US" smtClean="0"/>
-              <a:t>3/1/2020</a:t>
+              <a:t>3/31/2020</a:t>
             </a:fld>
             <a:endParaRPr lang="en-US"/>
           </a:p>
@@ -1403,7 +1404,7 @@
           <a:p>
             <a:fld id="{CBAE1E15-123C-4B1A-B6F2-694A0C646122}" type="datetimeFigureOut">
               <a:rPr lang="en-US" smtClean="0"/>
-              <a:t>3/1/2020</a:t>
+              <a:t>3/31/2020</a:t>
             </a:fld>
             <a:endParaRPr lang="en-US"/>
           </a:p>
@@ -1815,7 +1816,7 @@
           <a:p>
             <a:fld id="{CBAE1E15-123C-4B1A-B6F2-694A0C646122}" type="datetimeFigureOut">
               <a:rPr lang="en-US" smtClean="0"/>
-              <a:t>3/1/2020</a:t>
+              <a:t>3/31/2020</a:t>
             </a:fld>
             <a:endParaRPr lang="en-US"/>
           </a:p>
@@ -1956,7 +1957,7 @@
           <a:p>
             <a:fld id="{CBAE1E15-123C-4B1A-B6F2-694A0C646122}" type="datetimeFigureOut">
               <a:rPr lang="en-US" smtClean="0"/>
-              <a:t>3/1/2020</a:t>
+              <a:t>3/31/2020</a:t>
             </a:fld>
             <a:endParaRPr lang="en-US"/>
           </a:p>
@@ -2069,7 +2070,7 @@
           <a:p>
             <a:fld id="{CBAE1E15-123C-4B1A-B6F2-694A0C646122}" type="datetimeFigureOut">
               <a:rPr lang="en-US" smtClean="0"/>
-              <a:t>3/1/2020</a:t>
+              <a:t>3/31/2020</a:t>
             </a:fld>
             <a:endParaRPr lang="en-US"/>
           </a:p>
@@ -2380,7 +2381,7 @@
           <a:p>
             <a:fld id="{CBAE1E15-123C-4B1A-B6F2-694A0C646122}" type="datetimeFigureOut">
               <a:rPr lang="en-US" smtClean="0"/>
-              <a:t>3/1/2020</a:t>
+              <a:t>3/31/2020</a:t>
             </a:fld>
             <a:endParaRPr lang="en-US"/>
           </a:p>
@@ -2668,7 +2669,7 @@
           <a:p>
             <a:fld id="{CBAE1E15-123C-4B1A-B6F2-694A0C646122}" type="datetimeFigureOut">
               <a:rPr lang="en-US" smtClean="0"/>
-              <a:t>3/1/2020</a:t>
+              <a:t>3/31/2020</a:t>
             </a:fld>
             <a:endParaRPr lang="en-US"/>
           </a:p>
@@ -2909,7 +2910,7 @@
           <a:p>
             <a:fld id="{CBAE1E15-123C-4B1A-B6F2-694A0C646122}" type="datetimeFigureOut">
               <a:rPr lang="en-US" smtClean="0"/>
-              <a:t>3/1/2020</a:t>
+              <a:t>3/31/2020</a:t>
             </a:fld>
             <a:endParaRPr lang="en-US"/>
           </a:p>
@@ -3829,6 +3830,600 @@
 </p:sld>
 </file>
 
+<file path=ppt/slides/slide2.xml><?xml version="1.0" encoding="utf-8"?>
+<p:sld xmlns:a="http://schemas.openxmlformats.org/drawingml/2006/main" xmlns:r="http://schemas.openxmlformats.org/officeDocument/2006/relationships" xmlns:p="http://schemas.openxmlformats.org/presentationml/2006/main">
+  <p:cSld>
+    <p:spTree>
+      <p:nvGrpSpPr>
+        <p:cNvPr id="1" name=""/>
+        <p:cNvGrpSpPr/>
+        <p:nvPr/>
+      </p:nvGrpSpPr>
+      <p:grpSpPr>
+        <a:xfrm>
+          <a:off x="0" y="0"/>
+          <a:ext cx="0" cy="0"/>
+          <a:chOff x="0" y="0"/>
+          <a:chExt cx="0" cy="0"/>
+        </a:xfrm>
+      </p:grpSpPr>
+      <p:sp>
+        <p:nvSpPr>
+          <p:cNvPr id="14" name="Rectangle 13">
+            <a:extLst>
+              <a:ext uri="{FF2B5EF4-FFF2-40B4-BE49-F238E27FC236}">
+                <a16:creationId xmlns:a16="http://schemas.microsoft.com/office/drawing/2014/main" id="{A83E7CCF-4AC7-4CFF-9171-49729B193757}"/>
+              </a:ext>
+            </a:extLst>
+          </p:cNvPr>
+          <p:cNvSpPr/>
+          <p:nvPr/>
+        </p:nvSpPr>
+        <p:spPr>
+          <a:xfrm>
+            <a:off x="1200150" y="558800"/>
+            <a:ext cx="6559550" cy="2781300"/>
+          </a:xfrm>
+          <a:prstGeom prst="rect">
+            <a:avLst/>
+          </a:prstGeom>
+        </p:spPr>
+        <p:style>
+          <a:lnRef idx="2">
+            <a:schemeClr val="accent2"/>
+          </a:lnRef>
+          <a:fillRef idx="1">
+            <a:schemeClr val="lt1"/>
+          </a:fillRef>
+          <a:effectRef idx="0">
+            <a:schemeClr val="accent2"/>
+          </a:effectRef>
+          <a:fontRef idx="minor">
+            <a:schemeClr val="dk1"/>
+          </a:fontRef>
+        </p:style>
+        <p:txBody>
+          <a:bodyPr rtlCol="0" anchor="b"/>
+          <a:lstStyle/>
+          <a:p>
+            <a:pPr algn="ctr"/>
+            <a:r>
+              <a:rPr lang="en-US" sz="3600" dirty="0"/>
+              <a:t>tye </a:t>
+            </a:r>
+            <a:r>
+              <a:rPr lang="en-US" sz="2000" dirty="0"/>
+              <a:t>tool</a:t>
+            </a:r>
+            <a:endParaRPr lang="en-US" dirty="0"/>
+          </a:p>
+        </p:txBody>
+      </p:sp>
+      <p:sp>
+        <p:nvSpPr>
+          <p:cNvPr id="4" name="Hexagon 3">
+            <a:extLst>
+              <a:ext uri="{FF2B5EF4-FFF2-40B4-BE49-F238E27FC236}">
+                <a16:creationId xmlns:a16="http://schemas.microsoft.com/office/drawing/2014/main" id="{2608284B-9751-44B7-AE4B-3DC9E6837725}"/>
+              </a:ext>
+            </a:extLst>
+          </p:cNvPr>
+          <p:cNvSpPr/>
+          <p:nvPr/>
+        </p:nvSpPr>
+        <p:spPr>
+          <a:xfrm>
+            <a:off x="1555750" y="1003300"/>
+            <a:ext cx="1664716" cy="1435100"/>
+          </a:xfrm>
+          <a:prstGeom prst="hexagon">
+            <a:avLst/>
+          </a:prstGeom>
+        </p:spPr>
+        <p:style>
+          <a:lnRef idx="2">
+            <a:schemeClr val="accent1"/>
+          </a:lnRef>
+          <a:fillRef idx="1">
+            <a:schemeClr val="lt1"/>
+          </a:fillRef>
+          <a:effectRef idx="0">
+            <a:schemeClr val="accent1"/>
+          </a:effectRef>
+          <a:fontRef idx="minor">
+            <a:schemeClr val="dk1"/>
+          </a:fontRef>
+        </p:style>
+        <p:txBody>
+          <a:bodyPr rtlCol="0" anchor="ctr"/>
+          <a:lstStyle/>
+          <a:p>
+            <a:pPr algn="ctr"/>
+            <a:r>
+              <a:rPr lang="en-US" dirty="0"/>
+              <a:t>Graph </a:t>
+            </a:r>
+            <a:r>
+              <a:rPr lang="en-US" dirty="0" err="1"/>
+              <a:t>Api</a:t>
+            </a:r>
+            <a:endParaRPr lang="en-US" dirty="0"/>
+          </a:p>
+        </p:txBody>
+      </p:sp>
+      <p:sp>
+        <p:nvSpPr>
+          <p:cNvPr id="5" name="Hexagon 4">
+            <a:extLst>
+              <a:ext uri="{FF2B5EF4-FFF2-40B4-BE49-F238E27FC236}">
+                <a16:creationId xmlns:a16="http://schemas.microsoft.com/office/drawing/2014/main" id="{A46DABB6-CC3C-4F59-BEDC-91B3C205D748}"/>
+              </a:ext>
+            </a:extLst>
+          </p:cNvPr>
+          <p:cNvSpPr/>
+          <p:nvPr/>
+        </p:nvSpPr>
+        <p:spPr>
+          <a:xfrm>
+            <a:off x="3670300" y="1003300"/>
+            <a:ext cx="1664716" cy="1435100"/>
+          </a:xfrm>
+          <a:prstGeom prst="hexagon">
+            <a:avLst/>
+          </a:prstGeom>
+        </p:spPr>
+        <p:style>
+          <a:lnRef idx="2">
+            <a:schemeClr val="accent1"/>
+          </a:lnRef>
+          <a:fillRef idx="1">
+            <a:schemeClr val="lt1"/>
+          </a:fillRef>
+          <a:effectRef idx="0">
+            <a:schemeClr val="accent1"/>
+          </a:effectRef>
+          <a:fontRef idx="minor">
+            <a:schemeClr val="dk1"/>
+          </a:fontRef>
+        </p:style>
+        <p:txBody>
+          <a:bodyPr rtlCol="0" anchor="ctr"/>
+          <a:lstStyle/>
+          <a:p>
+            <a:pPr algn="ctr"/>
+            <a:r>
+              <a:rPr lang="en-US" dirty="0"/>
+              <a:t>Product Catalog </a:t>
+            </a:r>
+            <a:r>
+              <a:rPr lang="en-US" dirty="0" err="1"/>
+              <a:t>Api</a:t>
+            </a:r>
+            <a:endParaRPr lang="en-US" dirty="0"/>
+          </a:p>
+        </p:txBody>
+      </p:sp>
+      <p:sp>
+        <p:nvSpPr>
+          <p:cNvPr id="6" name="Hexagon 5">
+            <a:extLst>
+              <a:ext uri="{FF2B5EF4-FFF2-40B4-BE49-F238E27FC236}">
+                <a16:creationId xmlns:a16="http://schemas.microsoft.com/office/drawing/2014/main" id="{B147891A-3046-456A-B1A7-B91A452A565B}"/>
+              </a:ext>
+            </a:extLst>
+          </p:cNvPr>
+          <p:cNvSpPr/>
+          <p:nvPr/>
+        </p:nvSpPr>
+        <p:spPr>
+          <a:xfrm>
+            <a:off x="5784850" y="1003300"/>
+            <a:ext cx="1657350" cy="1435100"/>
+          </a:xfrm>
+          <a:prstGeom prst="hexagon">
+            <a:avLst/>
+          </a:prstGeom>
+        </p:spPr>
+        <p:style>
+          <a:lnRef idx="2">
+            <a:schemeClr val="accent1"/>
+          </a:lnRef>
+          <a:fillRef idx="1">
+            <a:schemeClr val="lt1"/>
+          </a:fillRef>
+          <a:effectRef idx="0">
+            <a:schemeClr val="accent1"/>
+          </a:effectRef>
+          <a:fontRef idx="minor">
+            <a:schemeClr val="dk1"/>
+          </a:fontRef>
+        </p:style>
+        <p:txBody>
+          <a:bodyPr rtlCol="0" anchor="ctr"/>
+          <a:lstStyle/>
+          <a:p>
+            <a:pPr algn="ctr"/>
+            <a:r>
+              <a:rPr lang="en-US" dirty="0"/>
+              <a:t>Inventory </a:t>
+            </a:r>
+            <a:r>
+              <a:rPr lang="en-US" dirty="0" err="1"/>
+              <a:t>Api</a:t>
+            </a:r>
+            <a:endParaRPr lang="en-US" dirty="0"/>
+          </a:p>
+        </p:txBody>
+      </p:sp>
+      <p:cxnSp>
+        <p:nvCxnSpPr>
+          <p:cNvPr id="8" name="Straight Arrow Connector 7">
+            <a:extLst>
+              <a:ext uri="{FF2B5EF4-FFF2-40B4-BE49-F238E27FC236}">
+                <a16:creationId xmlns:a16="http://schemas.microsoft.com/office/drawing/2014/main" id="{ED509CF5-73C7-49A5-A2F4-13A2768CA7E0}"/>
+              </a:ext>
+            </a:extLst>
+          </p:cNvPr>
+          <p:cNvCxnSpPr>
+            <a:stCxn id="4" idx="0"/>
+            <a:endCxn id="5" idx="3"/>
+          </p:cNvCxnSpPr>
+          <p:nvPr/>
+        </p:nvCxnSpPr>
+        <p:spPr>
+          <a:xfrm>
+            <a:off x="3220466" y="1720850"/>
+            <a:ext cx="449834" cy="0"/>
+          </a:xfrm>
+          <a:prstGeom prst="straightConnector1">
+            <a:avLst/>
+          </a:prstGeom>
+          <a:ln>
+            <a:tailEnd type="triangle"/>
+          </a:ln>
+        </p:spPr>
+        <p:style>
+          <a:lnRef idx="1">
+            <a:schemeClr val="accent1"/>
+          </a:lnRef>
+          <a:fillRef idx="0">
+            <a:schemeClr val="accent1"/>
+          </a:fillRef>
+          <a:effectRef idx="0">
+            <a:schemeClr val="accent1"/>
+          </a:effectRef>
+          <a:fontRef idx="minor">
+            <a:schemeClr val="tx1"/>
+          </a:fontRef>
+        </p:style>
+      </p:cxnSp>
+      <p:cxnSp>
+        <p:nvCxnSpPr>
+          <p:cNvPr id="10" name="Straight Arrow Connector 9">
+            <a:extLst>
+              <a:ext uri="{FF2B5EF4-FFF2-40B4-BE49-F238E27FC236}">
+                <a16:creationId xmlns:a16="http://schemas.microsoft.com/office/drawing/2014/main" id="{406C8A25-3C7C-4C3A-98C9-FA20FE71EAD0}"/>
+              </a:ext>
+            </a:extLst>
+          </p:cNvPr>
+          <p:cNvCxnSpPr>
+            <a:stCxn id="5" idx="0"/>
+            <a:endCxn id="6" idx="3"/>
+          </p:cNvCxnSpPr>
+          <p:nvPr/>
+        </p:nvCxnSpPr>
+        <p:spPr>
+          <a:xfrm>
+            <a:off x="5335016" y="1720850"/>
+            <a:ext cx="449834" cy="0"/>
+          </a:xfrm>
+          <a:prstGeom prst="straightConnector1">
+            <a:avLst/>
+          </a:prstGeom>
+          <a:ln>
+            <a:tailEnd type="triangle"/>
+          </a:ln>
+        </p:spPr>
+        <p:style>
+          <a:lnRef idx="1">
+            <a:schemeClr val="accent1"/>
+          </a:lnRef>
+          <a:fillRef idx="0">
+            <a:schemeClr val="accent1"/>
+          </a:fillRef>
+          <a:effectRef idx="0">
+            <a:schemeClr val="accent1"/>
+          </a:effectRef>
+          <a:fontRef idx="minor">
+            <a:schemeClr val="tx1"/>
+          </a:fontRef>
+        </p:style>
+      </p:cxnSp>
+      <p:sp>
+        <p:nvSpPr>
+          <p:cNvPr id="15" name="Rectangle 14">
+            <a:extLst>
+              <a:ext uri="{FF2B5EF4-FFF2-40B4-BE49-F238E27FC236}">
+                <a16:creationId xmlns:a16="http://schemas.microsoft.com/office/drawing/2014/main" id="{D30202D8-71B5-4F60-A947-55F94E9616FF}"/>
+              </a:ext>
+            </a:extLst>
+          </p:cNvPr>
+          <p:cNvSpPr/>
+          <p:nvPr/>
+        </p:nvSpPr>
+        <p:spPr>
+          <a:xfrm>
+            <a:off x="1200150" y="3873500"/>
+            <a:ext cx="6559550" cy="749300"/>
+          </a:xfrm>
+          <a:prstGeom prst="rect">
+            <a:avLst/>
+          </a:prstGeom>
+        </p:spPr>
+        <p:style>
+          <a:lnRef idx="2">
+            <a:schemeClr val="accent6"/>
+          </a:lnRef>
+          <a:fillRef idx="1">
+            <a:schemeClr val="lt1"/>
+          </a:fillRef>
+          <a:effectRef idx="0">
+            <a:schemeClr val="accent6"/>
+          </a:effectRef>
+          <a:fontRef idx="minor">
+            <a:schemeClr val="dk1"/>
+          </a:fontRef>
+        </p:style>
+        <p:txBody>
+          <a:bodyPr rtlCol="0" anchor="ctr"/>
+          <a:lstStyle/>
+          <a:p>
+            <a:pPr algn="ctr"/>
+            <a:r>
+              <a:rPr lang="en-US" dirty="0" err="1"/>
+              <a:t>Dapr</a:t>
+            </a:r>
+            <a:endParaRPr lang="en-US" dirty="0"/>
+          </a:p>
+        </p:txBody>
+      </p:sp>
+      <p:cxnSp>
+        <p:nvCxnSpPr>
+          <p:cNvPr id="16" name="Straight Arrow Connector 15">
+            <a:extLst>
+              <a:ext uri="{FF2B5EF4-FFF2-40B4-BE49-F238E27FC236}">
+                <a16:creationId xmlns:a16="http://schemas.microsoft.com/office/drawing/2014/main" id="{C64026A9-2408-4E5B-AC09-38E2C90CB2BE}"/>
+              </a:ext>
+            </a:extLst>
+          </p:cNvPr>
+          <p:cNvCxnSpPr>
+            <a:cxnSpLocks/>
+            <a:stCxn id="14" idx="2"/>
+            <a:endCxn id="15" idx="0"/>
+          </p:cNvCxnSpPr>
+          <p:nvPr/>
+        </p:nvCxnSpPr>
+        <p:spPr>
+          <a:xfrm>
+            <a:off x="4479925" y="3340100"/>
+            <a:ext cx="0" cy="533400"/>
+          </a:xfrm>
+          <a:prstGeom prst="straightConnector1">
+            <a:avLst/>
+          </a:prstGeom>
+          <a:ln>
+            <a:headEnd type="triangle" w="med" len="med"/>
+            <a:tailEnd type="triangle" w="med" len="med"/>
+          </a:ln>
+        </p:spPr>
+        <p:style>
+          <a:lnRef idx="1">
+            <a:schemeClr val="accent1"/>
+          </a:lnRef>
+          <a:fillRef idx="0">
+            <a:schemeClr val="accent1"/>
+          </a:fillRef>
+          <a:effectRef idx="0">
+            <a:schemeClr val="accent1"/>
+          </a:effectRef>
+          <a:fontRef idx="minor">
+            <a:schemeClr val="tx1"/>
+          </a:fontRef>
+        </p:style>
+      </p:cxnSp>
+      <p:sp>
+        <p:nvSpPr>
+          <p:cNvPr id="20" name="Rectangle 19">
+            <a:extLst>
+              <a:ext uri="{FF2B5EF4-FFF2-40B4-BE49-F238E27FC236}">
+                <a16:creationId xmlns:a16="http://schemas.microsoft.com/office/drawing/2014/main" id="{7E08C286-C922-4FFB-B571-4018964070F0}"/>
+              </a:ext>
+            </a:extLst>
+          </p:cNvPr>
+          <p:cNvSpPr/>
+          <p:nvPr/>
+        </p:nvSpPr>
+        <p:spPr>
+          <a:xfrm>
+            <a:off x="8465566" y="796925"/>
+            <a:ext cx="2984500" cy="1555750"/>
+          </a:xfrm>
+          <a:prstGeom prst="rect">
+            <a:avLst/>
+          </a:prstGeom>
+        </p:spPr>
+        <p:style>
+          <a:lnRef idx="2">
+            <a:schemeClr val="accent4"/>
+          </a:lnRef>
+          <a:fillRef idx="1">
+            <a:schemeClr val="lt1"/>
+          </a:fillRef>
+          <a:effectRef idx="0">
+            <a:schemeClr val="accent4"/>
+          </a:effectRef>
+          <a:fontRef idx="minor">
+            <a:schemeClr val="dk1"/>
+          </a:fontRef>
+        </p:style>
+        <p:txBody>
+          <a:bodyPr rtlCol="0" anchor="ctr"/>
+          <a:lstStyle/>
+          <a:p>
+            <a:pPr algn="ctr"/>
+            <a:r>
+              <a:rPr lang="en-US" dirty="0"/>
+              <a:t>Kubernetes</a:t>
+            </a:r>
+          </a:p>
+        </p:txBody>
+      </p:sp>
+      <p:sp>
+        <p:nvSpPr>
+          <p:cNvPr id="21" name="Rectangle 20">
+            <a:extLst>
+              <a:ext uri="{FF2B5EF4-FFF2-40B4-BE49-F238E27FC236}">
+                <a16:creationId xmlns:a16="http://schemas.microsoft.com/office/drawing/2014/main" id="{2AAA603D-60EE-4F3C-BD44-AE671D74AD5A}"/>
+              </a:ext>
+            </a:extLst>
+          </p:cNvPr>
+          <p:cNvSpPr/>
+          <p:nvPr/>
+        </p:nvSpPr>
+        <p:spPr>
+          <a:xfrm>
+            <a:off x="8465566" y="2692400"/>
+            <a:ext cx="2984500" cy="1555750"/>
+          </a:xfrm>
+          <a:prstGeom prst="rect">
+            <a:avLst/>
+          </a:prstGeom>
+        </p:spPr>
+        <p:style>
+          <a:lnRef idx="2">
+            <a:schemeClr val="accent3"/>
+          </a:lnRef>
+          <a:fillRef idx="1">
+            <a:schemeClr val="lt1"/>
+          </a:fillRef>
+          <a:effectRef idx="0">
+            <a:schemeClr val="accent3"/>
+          </a:effectRef>
+          <a:fontRef idx="minor">
+            <a:schemeClr val="dk1"/>
+          </a:fontRef>
+        </p:style>
+        <p:txBody>
+          <a:bodyPr rtlCol="0" anchor="ctr"/>
+          <a:lstStyle/>
+          <a:p>
+            <a:pPr algn="ctr"/>
+            <a:r>
+              <a:rPr lang="en-US" dirty="0"/>
+              <a:t>Local Development</a:t>
+            </a:r>
+          </a:p>
+        </p:txBody>
+      </p:sp>
+      <p:cxnSp>
+        <p:nvCxnSpPr>
+          <p:cNvPr id="22" name="Straight Arrow Connector 21">
+            <a:extLst>
+              <a:ext uri="{FF2B5EF4-FFF2-40B4-BE49-F238E27FC236}">
+                <a16:creationId xmlns:a16="http://schemas.microsoft.com/office/drawing/2014/main" id="{C4F4D4E1-E1DB-4677-A757-E1F6ABFC81E8}"/>
+              </a:ext>
+            </a:extLst>
+          </p:cNvPr>
+          <p:cNvCxnSpPr>
+            <a:cxnSpLocks/>
+            <a:stCxn id="15" idx="3"/>
+            <a:endCxn id="21" idx="1"/>
+          </p:cNvCxnSpPr>
+          <p:nvPr/>
+        </p:nvCxnSpPr>
+        <p:spPr>
+          <a:xfrm flipV="1">
+            <a:off x="7759700" y="3470275"/>
+            <a:ext cx="705866" cy="777875"/>
+          </a:xfrm>
+          <a:prstGeom prst="straightConnector1">
+            <a:avLst/>
+          </a:prstGeom>
+          <a:ln>
+            <a:tailEnd type="triangle"/>
+          </a:ln>
+        </p:spPr>
+        <p:style>
+          <a:lnRef idx="1">
+            <a:schemeClr val="accent1"/>
+          </a:lnRef>
+          <a:fillRef idx="0">
+            <a:schemeClr val="accent1"/>
+          </a:fillRef>
+          <a:effectRef idx="0">
+            <a:schemeClr val="accent1"/>
+          </a:effectRef>
+          <a:fontRef idx="minor">
+            <a:schemeClr val="tx1"/>
+          </a:fontRef>
+        </p:style>
+      </p:cxnSp>
+      <p:cxnSp>
+        <p:nvCxnSpPr>
+          <p:cNvPr id="25" name="Straight Arrow Connector 24">
+            <a:extLst>
+              <a:ext uri="{FF2B5EF4-FFF2-40B4-BE49-F238E27FC236}">
+                <a16:creationId xmlns:a16="http://schemas.microsoft.com/office/drawing/2014/main" id="{A2DBA761-88A8-4700-889A-DA588041663F}"/>
+              </a:ext>
+            </a:extLst>
+          </p:cNvPr>
+          <p:cNvCxnSpPr>
+            <a:cxnSpLocks/>
+            <a:stCxn id="15" idx="3"/>
+            <a:endCxn id="20" idx="1"/>
+          </p:cNvCxnSpPr>
+          <p:nvPr/>
+        </p:nvCxnSpPr>
+        <p:spPr>
+          <a:xfrm flipV="1">
+            <a:off x="7759700" y="1574800"/>
+            <a:ext cx="705866" cy="2673350"/>
+          </a:xfrm>
+          <a:prstGeom prst="straightConnector1">
+            <a:avLst/>
+          </a:prstGeom>
+          <a:ln>
+            <a:tailEnd type="triangle"/>
+          </a:ln>
+        </p:spPr>
+        <p:style>
+          <a:lnRef idx="1">
+            <a:schemeClr val="accent1"/>
+          </a:lnRef>
+          <a:fillRef idx="0">
+            <a:schemeClr val="accent1"/>
+          </a:fillRef>
+          <a:effectRef idx="0">
+            <a:schemeClr val="accent1"/>
+          </a:effectRef>
+          <a:fontRef idx="minor">
+            <a:schemeClr val="tx1"/>
+          </a:fontRef>
+        </p:style>
+      </p:cxnSp>
+    </p:spTree>
+    <p:extLst>
+      <p:ext uri="{BB962C8B-B14F-4D97-AF65-F5344CB8AC3E}">
+        <p14:creationId xmlns:p14="http://schemas.microsoft.com/office/powerpoint/2010/main" val="1235751982"/>
+      </p:ext>
+    </p:extLst>
+  </p:cSld>
+  <p:clrMapOvr>
+    <a:masterClrMapping/>
+  </p:clrMapOvr>
+</p:sld>
+</file>
+
 <file path=ppt/theme/theme1.xml><?xml version="1.0" encoding="utf-8"?>
 <a:theme xmlns:a="http://schemas.openxmlformats.org/drawingml/2006/main" name="Office Theme">
   <a:themeElements>
